--- a/CEBD1261- presentation April 28, 2018.pptx
+++ b/CEBD1261- presentation April 28, 2018.pptx
@@ -18,8 +18,9 @@
     <p:sldId id="266" r:id="rId12"/>
     <p:sldId id="267" r:id="rId13"/>
     <p:sldId id="269" r:id="rId14"/>
-    <p:sldId id="271" r:id="rId15"/>
-    <p:sldId id="272" r:id="rId16"/>
+    <p:sldId id="274" r:id="rId15"/>
+    <p:sldId id="271" r:id="rId16"/>
+    <p:sldId id="272" r:id="rId17"/>
   </p:sldIdLst>
   <p:sldSz cx="12192000" cy="6858000"/>
   <p:notesSz cx="6858000" cy="9144000"/>
@@ -118,6 +119,11 @@
       </a:defRPr>
     </a:lvl9pPr>
   </p:defaultTextStyle>
+  <p:extLst>
+    <p:ext uri="{EFAFB233-063F-42B5-8137-9DF3F51BA10A}">
+      <p15:sldGuideLst xmlns:p15="http://schemas.microsoft.com/office/powerpoint/2012/main"/>
+    </p:ext>
+  </p:extLst>
 </p:presentation>
 </file>
 
@@ -291,7 +297,7 @@
             <a:fld id="{87DE6118-2437-4B30-8E3C-4D2BE6020583}" type="datetimeFigureOut">
               <a:rPr lang="en-US" dirty="0"/>
               <a:pPr/>
-              <a:t>4/27/18</a:t>
+              <a:t>4/28/18</a:t>
             </a:fld>
             <a:endParaRPr lang="en-US" dirty="0"/>
           </a:p>
@@ -617,7 +623,7 @@
           <a:p>
             <a:fld id="{87DE6118-2437-4B30-8E3C-4D2BE6020583}" type="datetimeFigureOut">
               <a:rPr lang="en-US" dirty="0"/>
-              <a:t>4/27/18</a:t>
+              <a:t>4/28/18</a:t>
             </a:fld>
             <a:endParaRPr lang="en-US" dirty="0"/>
           </a:p>
@@ -792,7 +798,7 @@
           <a:p>
             <a:fld id="{87DE6118-2437-4B30-8E3C-4D2BE6020583}" type="datetimeFigureOut">
               <a:rPr lang="en-US" dirty="0"/>
-              <a:t>4/27/18</a:t>
+              <a:t>4/28/18</a:t>
             </a:fld>
             <a:endParaRPr lang="en-US" dirty="0"/>
           </a:p>
@@ -957,7 +963,7 @@
           <a:p>
             <a:fld id="{87DE6118-2437-4B30-8E3C-4D2BE6020583}" type="datetimeFigureOut">
               <a:rPr lang="en-US" dirty="0"/>
-              <a:t>4/27/18</a:t>
+              <a:t>4/28/18</a:t>
             </a:fld>
             <a:endParaRPr lang="en-US" dirty="0"/>
           </a:p>
@@ -1230,7 +1236,7 @@
             <a:fld id="{87DE6118-2437-4B30-8E3C-4D2BE6020583}" type="datetimeFigureOut">
               <a:rPr lang="en-US" dirty="0"/>
               <a:pPr/>
-              <a:t>4/27/18</a:t>
+              <a:t>4/28/18</a:t>
             </a:fld>
             <a:endParaRPr lang="en-US" dirty="0"/>
           </a:p>
@@ -1620,7 +1626,7 @@
           <a:p>
             <a:fld id="{87DE6118-2437-4B30-8E3C-4D2BE6020583}" type="datetimeFigureOut">
               <a:rPr lang="en-US" dirty="0"/>
-              <a:t>4/27/18</a:t>
+              <a:t>4/28/18</a:t>
             </a:fld>
             <a:endParaRPr lang="en-US" dirty="0"/>
           </a:p>
@@ -2092,7 +2098,7 @@
           <a:p>
             <a:fld id="{87DE6118-2437-4B30-8E3C-4D2BE6020583}" type="datetimeFigureOut">
               <a:rPr lang="en-US" dirty="0"/>
-              <a:t>4/27/18</a:t>
+              <a:t>4/28/18</a:t>
             </a:fld>
             <a:endParaRPr lang="en-US" dirty="0"/>
           </a:p>
@@ -2205,7 +2211,7 @@
           <a:p>
             <a:fld id="{87DE6118-2437-4B30-8E3C-4D2BE6020583}" type="datetimeFigureOut">
               <a:rPr lang="en-US" dirty="0"/>
-              <a:t>4/27/18</a:t>
+              <a:t>4/28/18</a:t>
             </a:fld>
             <a:endParaRPr lang="en-US" dirty="0"/>
           </a:p>
@@ -2295,7 +2301,7 @@
           <a:p>
             <a:fld id="{87DE6118-2437-4B30-8E3C-4D2BE6020583}" type="datetimeFigureOut">
               <a:rPr lang="en-US" dirty="0"/>
-              <a:t>4/27/18</a:t>
+              <a:t>4/28/18</a:t>
             </a:fld>
             <a:endParaRPr lang="en-US" dirty="0"/>
           </a:p>
@@ -2637,7 +2643,7 @@
             <a:fld id="{87DE6118-2437-4B30-8E3C-4D2BE6020583}" type="datetimeFigureOut">
               <a:rPr lang="en-US" dirty="0"/>
               <a:pPr/>
-              <a:t>4/27/18</a:t>
+              <a:t>4/28/18</a:t>
             </a:fld>
             <a:endParaRPr lang="en-US" dirty="0"/>
           </a:p>
@@ -3022,7 +3028,7 @@
             <a:fld id="{87DE6118-2437-4B30-8E3C-4D2BE6020583}" type="datetimeFigureOut">
               <a:rPr lang="en-US" dirty="0"/>
               <a:pPr/>
-              <a:t>4/27/18</a:t>
+              <a:t>4/28/18</a:t>
             </a:fld>
             <a:endParaRPr lang="en-US" dirty="0"/>
           </a:p>
@@ -3297,7 +3303,7 @@
             <a:fld id="{87DE6118-2437-4B30-8E3C-4D2BE6020583}" type="datetimeFigureOut">
               <a:rPr lang="en-US" dirty="0"/>
               <a:pPr/>
-              <a:t>4/27/18</a:t>
+              <a:t>4/28/18</a:t>
             </a:fld>
             <a:endParaRPr lang="en-US" dirty="0"/>
           </a:p>
@@ -3955,6 +3961,9 @@
               <a:rPr lang="en-US" dirty="0" smtClean="0"/>
               <a:t>cocoa percentage. </a:t>
             </a:r>
+            <a:endParaRPr lang="en-US" dirty="0" smtClean="0"/>
+          </a:p>
+          <a:p>
             <a:r>
               <a:rPr lang="en-US" dirty="0"/>
               <a:t/>
@@ -3968,22 +3977,28 @@
       </p:sp>
       <p:pic>
         <p:nvPicPr>
-          <p:cNvPr id="4" name="Picture 3"/>
+          <p:cNvPr id="5" name="Picture 4"/>
           <p:cNvPicPr>
             <a:picLocks noChangeAspect="1"/>
           </p:cNvPicPr>
           <p:nvPr/>
         </p:nvPicPr>
         <p:blipFill>
-          <a:blip r:embed="rId2"/>
+          <a:blip r:embed="rId2">
+            <a:extLst>
+              <a:ext uri="{28A0092B-C50C-407E-A947-70E740481C1C}">
+                <a14:useLocalDpi xmlns:a14="http://schemas.microsoft.com/office/drawing/2010/main" val="0"/>
+              </a:ext>
+            </a:extLst>
+          </a:blip>
           <a:stretch>
             <a:fillRect/>
           </a:stretch>
         </p:blipFill>
         <p:spPr>
           <a:xfrm>
-            <a:off x="1132114" y="3582355"/>
-            <a:ext cx="11059886" cy="1222756"/>
+            <a:off x="1632857" y="3075214"/>
+            <a:ext cx="10058400" cy="1433099"/>
           </a:xfrm>
           <a:prstGeom prst="rect">
             <a:avLst/>
@@ -4086,22 +4101,28 @@
       </p:sp>
       <p:pic>
         <p:nvPicPr>
-          <p:cNvPr id="4" name="Picture 3"/>
+          <p:cNvPr id="5" name="Picture 4"/>
           <p:cNvPicPr>
             <a:picLocks noChangeAspect="1"/>
           </p:cNvPicPr>
           <p:nvPr/>
         </p:nvPicPr>
         <p:blipFill>
-          <a:blip r:embed="rId2"/>
+          <a:blip r:embed="rId2">
+            <a:extLst>
+              <a:ext uri="{28A0092B-C50C-407E-A947-70E740481C1C}">
+                <a14:useLocalDpi xmlns:a14="http://schemas.microsoft.com/office/drawing/2010/main" val="0"/>
+              </a:ext>
+            </a:extLst>
+          </a:blip>
           <a:stretch>
             <a:fillRect/>
           </a:stretch>
         </p:blipFill>
         <p:spPr>
           <a:xfrm>
-            <a:off x="1596571" y="3380392"/>
-            <a:ext cx="10595429" cy="1774708"/>
+            <a:off x="1752600" y="3269343"/>
+            <a:ext cx="10058400" cy="2001054"/>
           </a:xfrm>
           <a:prstGeom prst="rect">
             <a:avLst/>
@@ -4182,7 +4203,6 @@
               <a:rPr lang="en-US" dirty="0"/>
               <a:t>The quality of the data wasn’t great, the format of the data was inconsistent. There were also multiple representations of the same data in the Specific Bean Origin column. </a:t>
             </a:r>
-            <a:endParaRPr lang="en-US" dirty="0"/>
           </a:p>
           <a:p>
             <a:r>
@@ -4420,7 +4440,7 @@
         </p:blipFill>
         <p:spPr>
           <a:xfrm>
-            <a:off x="5776686" y="3856823"/>
+            <a:off x="4767943" y="3942580"/>
             <a:ext cx="5631543" cy="1880223"/>
           </a:xfrm>
         </p:spPr>
@@ -4435,10 +4455,99 @@
   <p:clrMapOvr>
     <a:masterClrMapping/>
   </p:clrMapOvr>
+  <p:timing>
+    <p:tnLst>
+      <p:par>
+        <p:cTn id="1" dur="indefinite" restart="never" nodeType="tmRoot"/>
+      </p:par>
+    </p:tnLst>
+  </p:timing>
 </p:sld>
 </file>
 
 <file path=ppt/slides/slide14.xml><?xml version="1.0" encoding="utf-8"?>
+<p:sld xmlns:a="http://schemas.openxmlformats.org/drawingml/2006/main" xmlns:r="http://schemas.openxmlformats.org/officeDocument/2006/relationships" xmlns:p="http://schemas.openxmlformats.org/presentationml/2006/main">
+  <p:cSld>
+    <p:spTree>
+      <p:nvGrpSpPr>
+        <p:cNvPr id="1" name=""/>
+        <p:cNvGrpSpPr/>
+        <p:nvPr/>
+      </p:nvGrpSpPr>
+      <p:grpSpPr>
+        <a:xfrm>
+          <a:off x="0" y="0"/>
+          <a:ext cx="0" cy="0"/>
+          <a:chOff x="0" y="0"/>
+          <a:chExt cx="0" cy="0"/>
+        </a:xfrm>
+      </p:grpSpPr>
+      <p:sp>
+        <p:nvSpPr>
+          <p:cNvPr id="2" name="Title 1"/>
+          <p:cNvSpPr>
+            <a:spLocks noGrp="1"/>
+          </p:cNvSpPr>
+          <p:nvPr>
+            <p:ph type="title"/>
+          </p:nvPr>
+        </p:nvSpPr>
+        <p:spPr/>
+        <p:txBody>
+          <a:bodyPr/>
+          <a:lstStyle/>
+          <a:p>
+            <a:r>
+              <a:rPr lang="en-US" dirty="0" smtClean="0"/>
+              <a:t>AWS Server used </a:t>
+            </a:r>
+            <a:endParaRPr lang="en-US" dirty="0"/>
+          </a:p>
+        </p:txBody>
+      </p:sp>
+      <p:pic>
+        <p:nvPicPr>
+          <p:cNvPr id="4" name="Content Placeholder 3"/>
+          <p:cNvPicPr>
+            <a:picLocks noGrp="1" noChangeAspect="1"/>
+          </p:cNvPicPr>
+          <p:nvPr>
+            <p:ph idx="1"/>
+          </p:nvPr>
+        </p:nvPicPr>
+        <p:blipFill>
+          <a:blip r:embed="rId2">
+            <a:extLst>
+              <a:ext uri="{28A0092B-C50C-407E-A947-70E740481C1C}">
+                <a14:useLocalDpi xmlns:a14="http://schemas.microsoft.com/office/drawing/2010/main" val="0"/>
+              </a:ext>
+            </a:extLst>
+          </a:blip>
+          <a:stretch>
+            <a:fillRect/>
+          </a:stretch>
+        </p:blipFill>
+        <p:spPr>
+          <a:xfrm>
+            <a:off x="2772424" y="2286000"/>
+            <a:ext cx="6799551" cy="3581400"/>
+          </a:xfrm>
+        </p:spPr>
+      </p:pic>
+    </p:spTree>
+    <p:extLst>
+      <p:ext uri="{BB962C8B-B14F-4D97-AF65-F5344CB8AC3E}">
+        <p14:creationId xmlns:p14="http://schemas.microsoft.com/office/powerpoint/2010/main" val="220892155"/>
+      </p:ext>
+    </p:extLst>
+  </p:cSld>
+  <p:clrMapOvr>
+    <a:masterClrMapping/>
+  </p:clrMapOvr>
+</p:sld>
+</file>
+
+<file path=ppt/slides/slide15.xml><?xml version="1.0" encoding="utf-8"?>
 <p:sld xmlns:a="http://schemas.openxmlformats.org/drawingml/2006/main" xmlns:r="http://schemas.openxmlformats.org/officeDocument/2006/relationships" xmlns:p="http://schemas.openxmlformats.org/presentationml/2006/main">
   <p:cSld>
     <p:spTree>
@@ -4602,10 +4711,17 @@
   <p:clrMapOvr>
     <a:masterClrMapping/>
   </p:clrMapOvr>
+  <p:timing>
+    <p:tnLst>
+      <p:par>
+        <p:cTn id="1" dur="indefinite" restart="never" nodeType="tmRoot"/>
+      </p:par>
+    </p:tnLst>
+  </p:timing>
 </p:sld>
 </file>
 
-<file path=ppt/slides/slide15.xml><?xml version="1.0" encoding="utf-8"?>
+<file path=ppt/slides/slide16.xml><?xml version="1.0" encoding="utf-8"?>
 <p:sld xmlns:a="http://schemas.openxmlformats.org/drawingml/2006/main" xmlns:r="http://schemas.openxmlformats.org/officeDocument/2006/relationships" xmlns:p="http://schemas.openxmlformats.org/presentationml/2006/main">
   <p:cSld>
     <p:spTree>
@@ -4662,7 +4778,17 @@
           <a:p>
             <a:r>
               <a:rPr lang="en-US" dirty="0" smtClean="0"/>
-              <a:t>We learned that Americans had the highest chocolate consumption amongst all countries within the dataset </a:t>
+              <a:t>As with most open-source data, our takeaway was that we did spend over half of our time cleaning and prepping the data. Data quality is important, and we wanted to make sure our base was correct before moving forward to analysis. (60—40). </a:t>
+            </a:r>
+          </a:p>
+          <a:p>
+            <a:r>
+              <a:rPr lang="en-US" dirty="0" smtClean="0"/>
+              <a:t>We </a:t>
+            </a:r>
+            <a:r>
+              <a:rPr lang="en-US" dirty="0" smtClean="0"/>
+              <a:t>learned that Americans had the highest chocolate consumption amongst all countries within the dataset </a:t>
             </a:r>
             <a:r>
               <a:rPr lang="mr-IN" dirty="0" smtClean="0"/>
@@ -4682,11 +4808,7 @@
           <a:p>
             <a:r>
               <a:rPr lang="en-US" dirty="0" smtClean="0"/>
-              <a:t>We recommend to add an extra layer in the dataset, which would include Names of Vendors which are utilizing the Chocolate Companies, in order to </a:t>
-            </a:r>
-            <a:r>
-              <a:rPr lang="en-US" smtClean="0"/>
-              <a:t>determine favorability by Brand Name. </a:t>
+              <a:t>We recommend to add an extra layer in the dataset, which would include Names of Vendors which are utilizing the Chocolate Companies, in order to determine favorability by Brand Name. </a:t>
             </a:r>
           </a:p>
           <a:p>
@@ -4704,6 +4826,13 @@
   <p:clrMapOvr>
     <a:masterClrMapping/>
   </p:clrMapOvr>
+  <p:timing>
+    <p:tnLst>
+      <p:par>
+        <p:cTn id="1" dur="indefinite" restart="never" nodeType="tmRoot"/>
+      </p:par>
+    </p:tnLst>
+  </p:timing>
 </p:sld>
 </file>
 
@@ -5185,7 +5314,12 @@
             <p:ph idx="1"/>
           </p:nvPr>
         </p:nvSpPr>
-        <p:spPr/>
+        <p:spPr>
+          <a:xfrm>
+            <a:off x="1371600" y="1524000"/>
+            <a:ext cx="10617200" cy="5312568"/>
+          </a:xfrm>
+        </p:spPr>
         <p:txBody>
           <a:bodyPr/>
           <a:lstStyle/>
@@ -5210,19 +5344,62 @@
               <a:rPr lang="en-US" dirty="0" smtClean="0"/>
               <a:t>For example: </a:t>
             </a:r>
+            <a:endParaRPr lang="en-US" dirty="0" smtClean="0"/>
           </a:p>
           <a:p>
             <a:pPr lvl="1"/>
             <a:r>
               <a:rPr lang="en-US" dirty="0" smtClean="0"/>
-              <a:t>You can derive the proportion of Blood Types in a given region by sampling s smaller pool, in which case, you don’t need to apply Big Data. </a:t>
-            </a:r>
-          </a:p>
-          <a:p>
-            <a:endParaRPr lang="en-US" dirty="0"/>
-          </a:p>
-        </p:txBody>
-      </p:sp>
+              <a:t>If we limit the interpretation to a subset of the first 100 lines, the outcome of the questions we were asking based on the dataset was erroneous. </a:t>
+            </a:r>
+          </a:p>
+          <a:p>
+            <a:pPr lvl="2"/>
+            <a:r>
+              <a:rPr lang="en-US" dirty="0" smtClean="0"/>
+              <a:t>Ex: country with lowest rating is showing France and U.S.A. Big Data Analysis will show us this is wrong. </a:t>
+            </a:r>
+          </a:p>
+          <a:p>
+            <a:pPr lvl="2"/>
+            <a:endParaRPr lang="en-US" dirty="0"/>
+          </a:p>
+          <a:p>
+            <a:pPr lvl="1"/>
+            <a:endParaRPr lang="en-US" dirty="0" smtClean="0"/>
+          </a:p>
+        </p:txBody>
+      </p:sp>
+      <p:pic>
+        <p:nvPicPr>
+          <p:cNvPr id="5" name="Picture 4"/>
+          <p:cNvPicPr>
+            <a:picLocks noChangeAspect="1"/>
+          </p:cNvPicPr>
+          <p:nvPr/>
+        </p:nvPicPr>
+        <p:blipFill>
+          <a:blip r:embed="rId2">
+            <a:extLst>
+              <a:ext uri="{28A0092B-C50C-407E-A947-70E740481C1C}">
+                <a14:useLocalDpi xmlns:a14="http://schemas.microsoft.com/office/drawing/2010/main" val="0"/>
+              </a:ext>
+            </a:extLst>
+          </a:blip>
+          <a:stretch>
+            <a:fillRect/>
+          </a:stretch>
+        </p:blipFill>
+        <p:spPr>
+          <a:xfrm>
+            <a:off x="1651000" y="4354455"/>
+            <a:ext cx="10058400" cy="1938337"/>
+          </a:xfrm>
+          <a:prstGeom prst="rect">
+            <a:avLst/>
+          </a:prstGeom>
+        </p:spPr>
+      </p:pic>
     </p:spTree>
     <p:extLst>
       <p:ext uri="{BB962C8B-B14F-4D97-AF65-F5344CB8AC3E}">
@@ -5327,7 +5504,6 @@
               <a:rPr lang="en-US" dirty="0"/>
               <a:t>1) Which country has the highest chocolate consumption?</a:t>
             </a:r>
-            <a:endParaRPr lang="en-US" dirty="0"/>
           </a:p>
           <a:p>
             <a:pPr lvl="1"/>
@@ -5335,7 +5511,6 @@
               <a:rPr lang="en-US" dirty="0"/>
               <a:t>2) When were the reviews captured?</a:t>
             </a:r>
-            <a:endParaRPr lang="en-US" dirty="0"/>
           </a:p>
           <a:p>
             <a:pPr lvl="1"/>
@@ -5343,7 +5518,6 @@
               <a:rPr lang="en-US" dirty="0"/>
               <a:t>3) Is there a link between the cocoa percentage and the ratings?</a:t>
             </a:r>
-            <a:endParaRPr lang="en-US" dirty="0"/>
           </a:p>
           <a:p>
             <a:pPr lvl="1"/>
@@ -5351,7 +5525,6 @@
               <a:rPr lang="en-US" dirty="0"/>
               <a:t>4) Which countries have the highest ratings?</a:t>
             </a:r>
-            <a:endParaRPr lang="en-US" dirty="0"/>
           </a:p>
           <a:p>
             <a:pPr lvl="1"/>
@@ -5423,7 +5596,6 @@
               <a:rPr lang="en-US" dirty="0"/>
               <a:t>Which country has the highest chocolate consumption?</a:t>
             </a:r>
-            <a:endParaRPr lang="en-US" dirty="0"/>
           </a:p>
         </p:txBody>
       </p:sp>
@@ -5451,7 +5623,6 @@
               <a:rPr lang="en-US" dirty="0"/>
               <a:t>The data clearly shows that the US consumes chocolate far more than any other country of the world.</a:t>
             </a:r>
-            <a:endParaRPr lang="en-US" dirty="0"/>
           </a:p>
           <a:p>
             <a:r>
@@ -5467,22 +5638,28 @@
       </p:sp>
       <p:pic>
         <p:nvPicPr>
-          <p:cNvPr id="4" name="Picture 3"/>
+          <p:cNvPr id="5" name="Picture 4"/>
           <p:cNvPicPr>
             <a:picLocks noChangeAspect="1"/>
           </p:cNvPicPr>
           <p:nvPr/>
         </p:nvPicPr>
         <p:blipFill>
-          <a:blip r:embed="rId2"/>
+          <a:blip r:embed="rId2">
+            <a:extLst>
+              <a:ext uri="{28A0092B-C50C-407E-A947-70E740481C1C}">
+                <a14:useLocalDpi xmlns:a14="http://schemas.microsoft.com/office/drawing/2010/main" val="0"/>
+              </a:ext>
+            </a:extLst>
+          </a:blip>
           <a:stretch>
             <a:fillRect/>
           </a:stretch>
         </p:blipFill>
         <p:spPr>
           <a:xfrm>
-            <a:off x="1918608" y="3131457"/>
-            <a:ext cx="5626100" cy="3352800"/>
+            <a:off x="1480457" y="2968591"/>
+            <a:ext cx="10058400" cy="3629964"/>
           </a:xfrm>
           <a:prstGeom prst="rect">
             <a:avLst/>
@@ -5599,22 +5776,28 @@
       </p:sp>
       <p:pic>
         <p:nvPicPr>
-          <p:cNvPr id="4" name="Picture 3"/>
+          <p:cNvPr id="5" name="Picture 4"/>
           <p:cNvPicPr>
             <a:picLocks noChangeAspect="1"/>
           </p:cNvPicPr>
           <p:nvPr/>
         </p:nvPicPr>
         <p:blipFill>
-          <a:blip r:embed="rId2"/>
+          <a:blip r:embed="rId2">
+            <a:extLst>
+              <a:ext uri="{28A0092B-C50C-407E-A947-70E740481C1C}">
+                <a14:useLocalDpi xmlns:a14="http://schemas.microsoft.com/office/drawing/2010/main" val="0"/>
+              </a:ext>
+            </a:extLst>
+          </a:blip>
           <a:stretch>
             <a:fillRect/>
           </a:stretch>
         </p:blipFill>
         <p:spPr>
           <a:xfrm>
-            <a:off x="2396672" y="2930978"/>
-            <a:ext cx="5308600" cy="3492500"/>
+            <a:off x="1371600" y="2953960"/>
+            <a:ext cx="10058400" cy="3583818"/>
           </a:xfrm>
           <a:prstGeom prst="rect">
             <a:avLst/>
@@ -5701,19 +5884,27 @@
             <p:ph idx="1"/>
           </p:nvPr>
         </p:nvSpPr>
-        <p:spPr/>
+        <p:spPr>
+          <a:xfrm>
+            <a:off x="1371599" y="2286000"/>
+            <a:ext cx="10283371" cy="4067812"/>
+          </a:xfrm>
+        </p:spPr>
         <p:txBody>
           <a:bodyPr/>
           <a:lstStyle/>
           <a:p>
             <a:r>
               <a:rPr lang="en-US" dirty="0"/>
-              <a:t>We were able to see that the average percent of cocoa in a chocolate bar is around 70%, and the average rating for the chocolate bars is 3.1</a:t>
+              <a:t>We were able to see that the average percent of cocoa in a chocolate bar is around 70%, and the average rating for the chocolate bars is </a:t>
             </a:r>
             <a:r>
               <a:rPr lang="en-US" dirty="0" smtClean="0"/>
-              <a:t>.</a:t>
-            </a:r>
+              <a:t>3.1.</a:t>
+            </a:r>
+          </a:p>
+          <a:p>
+            <a:endParaRPr lang="en-US" dirty="0" smtClean="0"/>
           </a:p>
           <a:p>
             <a:endParaRPr lang="en-US" dirty="0"/>
@@ -5722,22 +5913,28 @@
       </p:sp>
       <p:pic>
         <p:nvPicPr>
-          <p:cNvPr id="4" name="Picture 3"/>
+          <p:cNvPr id="5" name="Picture 4"/>
           <p:cNvPicPr>
             <a:picLocks noChangeAspect="1"/>
           </p:cNvPicPr>
           <p:nvPr/>
         </p:nvPicPr>
         <p:blipFill>
-          <a:blip r:embed="rId2"/>
+          <a:blip r:embed="rId2">
+            <a:extLst>
+              <a:ext uri="{28A0092B-C50C-407E-A947-70E740481C1C}">
+                <a14:useLocalDpi xmlns:a14="http://schemas.microsoft.com/office/drawing/2010/main" val="0"/>
+              </a:ext>
+            </a:extLst>
+          </a:blip>
           <a:stretch>
             <a:fillRect/>
           </a:stretch>
         </p:blipFill>
         <p:spPr>
           <a:xfrm>
-            <a:off x="1787978" y="3024415"/>
-            <a:ext cx="9690100" cy="3479800"/>
+            <a:off x="1596571" y="2968171"/>
+            <a:ext cx="10058400" cy="3385641"/>
           </a:xfrm>
           <a:prstGeom prst="rect">
             <a:avLst/>

--- a/CEBD1261- presentation April 28, 2018.pptx
+++ b/CEBD1261- presentation April 28, 2018.pptx
@@ -297,7 +297,7 @@
             <a:fld id="{87DE6118-2437-4B30-8E3C-4D2BE6020583}" type="datetimeFigureOut">
               <a:rPr lang="en-US" dirty="0"/>
               <a:pPr/>
-              <a:t>4/28/18</a:t>
+              <a:t>4/30/18</a:t>
             </a:fld>
             <a:endParaRPr lang="en-US" dirty="0"/>
           </a:p>
@@ -623,7 +623,7 @@
           <a:p>
             <a:fld id="{87DE6118-2437-4B30-8E3C-4D2BE6020583}" type="datetimeFigureOut">
               <a:rPr lang="en-US" dirty="0"/>
-              <a:t>4/28/18</a:t>
+              <a:t>4/30/18</a:t>
             </a:fld>
             <a:endParaRPr lang="en-US" dirty="0"/>
           </a:p>
@@ -798,7 +798,7 @@
           <a:p>
             <a:fld id="{87DE6118-2437-4B30-8E3C-4D2BE6020583}" type="datetimeFigureOut">
               <a:rPr lang="en-US" dirty="0"/>
-              <a:t>4/28/18</a:t>
+              <a:t>4/30/18</a:t>
             </a:fld>
             <a:endParaRPr lang="en-US" dirty="0"/>
           </a:p>
@@ -963,7 +963,7 @@
           <a:p>
             <a:fld id="{87DE6118-2437-4B30-8E3C-4D2BE6020583}" type="datetimeFigureOut">
               <a:rPr lang="en-US" dirty="0"/>
-              <a:t>4/28/18</a:t>
+              <a:t>4/30/18</a:t>
             </a:fld>
             <a:endParaRPr lang="en-US" dirty="0"/>
           </a:p>
@@ -1236,7 +1236,7 @@
             <a:fld id="{87DE6118-2437-4B30-8E3C-4D2BE6020583}" type="datetimeFigureOut">
               <a:rPr lang="en-US" dirty="0"/>
               <a:pPr/>
-              <a:t>4/28/18</a:t>
+              <a:t>4/30/18</a:t>
             </a:fld>
             <a:endParaRPr lang="en-US" dirty="0"/>
           </a:p>
@@ -1626,7 +1626,7 @@
           <a:p>
             <a:fld id="{87DE6118-2437-4B30-8E3C-4D2BE6020583}" type="datetimeFigureOut">
               <a:rPr lang="en-US" dirty="0"/>
-              <a:t>4/28/18</a:t>
+              <a:t>4/30/18</a:t>
             </a:fld>
             <a:endParaRPr lang="en-US" dirty="0"/>
           </a:p>
@@ -2098,7 +2098,7 @@
           <a:p>
             <a:fld id="{87DE6118-2437-4B30-8E3C-4D2BE6020583}" type="datetimeFigureOut">
               <a:rPr lang="en-US" dirty="0"/>
-              <a:t>4/28/18</a:t>
+              <a:t>4/30/18</a:t>
             </a:fld>
             <a:endParaRPr lang="en-US" dirty="0"/>
           </a:p>
@@ -2211,7 +2211,7 @@
           <a:p>
             <a:fld id="{87DE6118-2437-4B30-8E3C-4D2BE6020583}" type="datetimeFigureOut">
               <a:rPr lang="en-US" dirty="0"/>
-              <a:t>4/28/18</a:t>
+              <a:t>4/30/18</a:t>
             </a:fld>
             <a:endParaRPr lang="en-US" dirty="0"/>
           </a:p>
@@ -2301,7 +2301,7 @@
           <a:p>
             <a:fld id="{87DE6118-2437-4B30-8E3C-4D2BE6020583}" type="datetimeFigureOut">
               <a:rPr lang="en-US" dirty="0"/>
-              <a:t>4/28/18</a:t>
+              <a:t>4/30/18</a:t>
             </a:fld>
             <a:endParaRPr lang="en-US" dirty="0"/>
           </a:p>
@@ -2643,7 +2643,7 @@
             <a:fld id="{87DE6118-2437-4B30-8E3C-4D2BE6020583}" type="datetimeFigureOut">
               <a:rPr lang="en-US" dirty="0"/>
               <a:pPr/>
-              <a:t>4/28/18</a:t>
+              <a:t>4/30/18</a:t>
             </a:fld>
             <a:endParaRPr lang="en-US" dirty="0"/>
           </a:p>
@@ -3028,7 +3028,7 @@
             <a:fld id="{87DE6118-2437-4B30-8E3C-4D2BE6020583}" type="datetimeFigureOut">
               <a:rPr lang="en-US" dirty="0"/>
               <a:pPr/>
-              <a:t>4/28/18</a:t>
+              <a:t>4/30/18</a:t>
             </a:fld>
             <a:endParaRPr lang="en-US" dirty="0"/>
           </a:p>
@@ -3303,7 +3303,7 @@
             <a:fld id="{87DE6118-2437-4B30-8E3C-4D2BE6020583}" type="datetimeFigureOut">
               <a:rPr lang="en-US" dirty="0"/>
               <a:pPr/>
-              <a:t>4/28/18</a:t>
+              <a:t>4/30/18</a:t>
             </a:fld>
             <a:endParaRPr lang="en-US" dirty="0"/>
           </a:p>
@@ -3873,6 +3873,13 @@
   <p:clrMapOvr>
     <a:masterClrMapping/>
   </p:clrMapOvr>
+  <p:timing>
+    <p:tnLst>
+      <p:par>
+        <p:cTn id="1" dur="indefinite" restart="never" nodeType="tmRoot"/>
+      </p:par>
+    </p:tnLst>
+  </p:timing>
 </p:sld>
 </file>
 
@@ -3961,7 +3968,6 @@
               <a:rPr lang="en-US" dirty="0" smtClean="0"/>
               <a:t>cocoa percentage. </a:t>
             </a:r>
-            <a:endParaRPr lang="en-US" dirty="0" smtClean="0"/>
           </a:p>
           <a:p>
             <a:r>
@@ -4015,6 +4021,13 @@
   <p:clrMapOvr>
     <a:masterClrMapping/>
   </p:clrMapOvr>
+  <p:timing>
+    <p:tnLst>
+      <p:par>
+        <p:cTn id="1" dur="indefinite" restart="never" nodeType="tmRoot"/>
+      </p:par>
+    </p:tnLst>
+  </p:timing>
 </p:sld>
 </file>
 
@@ -4139,6 +4152,13 @@
   <p:clrMapOvr>
     <a:masterClrMapping/>
   </p:clrMapOvr>
+  <p:timing>
+    <p:tnLst>
+      <p:par>
+        <p:cTn id="1" dur="indefinite" restart="never" nodeType="tmRoot"/>
+      </p:par>
+    </p:tnLst>
+  </p:timing>
 </p:sld>
 </file>
 
@@ -4345,6 +4365,13 @@
   <p:clrMapOvr>
     <a:masterClrMapping/>
   </p:clrMapOvr>
+  <p:timing>
+    <p:tnLst>
+      <p:par>
+        <p:cTn id="1" dur="indefinite" restart="never" nodeType="tmRoot"/>
+      </p:par>
+    </p:tnLst>
+  </p:timing>
 </p:sld>
 </file>
 
@@ -4544,6 +4571,13 @@
   <p:clrMapOvr>
     <a:masterClrMapping/>
   </p:clrMapOvr>
+  <p:timing>
+    <p:tnLst>
+      <p:par>
+        <p:cTn id="1" dur="indefinite" restart="never" nodeType="tmRoot"/>
+      </p:par>
+    </p:tnLst>
+  </p:timing>
 </p:sld>
 </file>
 
@@ -4784,11 +4818,7 @@
           <a:p>
             <a:r>
               <a:rPr lang="en-US" dirty="0" smtClean="0"/>
-              <a:t>We </a:t>
-            </a:r>
-            <a:r>
-              <a:rPr lang="en-US" dirty="0" smtClean="0"/>
-              <a:t>learned that Americans had the highest chocolate consumption amongst all countries within the dataset </a:t>
+              <a:t>We learned that Americans had the highest chocolate consumption amongst all countries within the dataset </a:t>
             </a:r>
             <a:r>
               <a:rPr lang="mr-IN" dirty="0" smtClean="0"/>
@@ -4920,6 +4950,13 @@
   <p:clrMapOvr>
     <a:masterClrMapping/>
   </p:clrMapOvr>
+  <p:timing>
+    <p:tnLst>
+      <p:par>
+        <p:cTn id="1" dur="indefinite" restart="never" nodeType="tmRoot"/>
+      </p:par>
+    </p:tnLst>
+  </p:timing>
 </p:sld>
 </file>
 
@@ -5124,7 +5161,7 @@
         <p:spPr/>
         <p:txBody>
           <a:bodyPr>
-            <a:normAutofit fontScale="92500"/>
+            <a:normAutofit/>
           </a:bodyPr>
           <a:lstStyle/>
           <a:p>
@@ -5136,15 +5173,12 @@
           <a:p>
             <a:pPr lvl="1"/>
             <a:r>
+              <a:rPr lang="en-US" i="0" dirty="0" smtClean="0"/>
+              <a:t>Need </a:t>
+            </a:r>
+            <a:r>
               <a:rPr lang="en-US" i="0" dirty="0"/>
-              <a:t>Time constraint+ all content needs to be analyzed. </a:t>
-            </a:r>
-          </a:p>
-          <a:p>
-            <a:pPr lvl="1"/>
-            <a:r>
-              <a:rPr lang="en-US" i="0" dirty="0"/>
-              <a:t>Need exact count or exact distribution</a:t>
+              <a:t>exact count or exact distribution</a:t>
             </a:r>
           </a:p>
           <a:p>
@@ -5172,19 +5206,25 @@
               <a:rPr lang="en-US" b="1" i="1" dirty="0" smtClean="0"/>
               <a:t>Flavors of Cacao” dataset, in order to achieve proper results: </a:t>
             </a:r>
+            <a:endParaRPr lang="en-US" b="1" i="1" dirty="0" smtClean="0"/>
           </a:p>
           <a:p>
             <a:pPr lvl="1"/>
             <a:r>
+              <a:rPr lang="en-US" dirty="0" smtClean="0"/>
+              <a:t>Although we don’t face any time constraint, we need to analyze the full dataset (all records simultaneously) </a:t>
+            </a:r>
+            <a:endParaRPr lang="en-US" i="1" dirty="0" smtClean="0"/>
+          </a:p>
+          <a:p>
+            <a:pPr lvl="1"/>
+            <a:r>
               <a:rPr lang="en-US" i="1" dirty="0" smtClean="0"/>
-              <a:t>the full content needs to be analyzed (this includes all columns simultaneously)</a:t>
-            </a:r>
-          </a:p>
-          <a:p>
-            <a:pPr lvl="1"/>
+              <a:t>Data </a:t>
+            </a:r>
             <a:r>
               <a:rPr lang="en-US" i="1" dirty="0" smtClean="0"/>
-              <a:t> Data needs to be clean and precise (to avoid wrongful conclusions based on typos, errors, etc.)</a:t>
+              <a:t>needs to be clean and precise (to avoid wrongful conclusions based on typos, errors, etc.)</a:t>
             </a:r>
           </a:p>
           <a:p>
@@ -5196,6 +5236,10 @@
             <a:r>
               <a:rPr lang="en-US" dirty="0" smtClean="0"/>
               <a:t> shouldn’t come into play as it would infringe on the accuracy of the results. </a:t>
+            </a:r>
+            <a:r>
+              <a:rPr lang="en-US" dirty="0" smtClean="0"/>
+              <a:t>(see next slide) </a:t>
             </a:r>
             <a:endParaRPr lang="en-US" dirty="0"/>
           </a:p>
@@ -5336,13 +5380,17 @@
             </a:r>
             <a:r>
               <a:rPr lang="en-US" dirty="0" smtClean="0"/>
-              <a:t>e can use sampling in order to achieve results wanted. </a:t>
+              <a:t>e could try and use sampling in order to achieve results wanted. </a:t>
             </a:r>
           </a:p>
           <a:p>
             <a:r>
               <a:rPr lang="en-US" dirty="0" smtClean="0"/>
-              <a:t>For example: </a:t>
+              <a:t>But</a:t>
+            </a:r>
+            <a:r>
+              <a:rPr lang="mr-IN" dirty="0" smtClean="0"/>
+              <a:t>…</a:t>
             </a:r>
             <a:endParaRPr lang="en-US" dirty="0" smtClean="0"/>
           </a:p>
@@ -5350,14 +5398,21 @@
             <a:pPr lvl="1"/>
             <a:r>
               <a:rPr lang="en-US" dirty="0" smtClean="0"/>
-              <a:t>If we limit the interpretation to a subset of the first 100 lines, the outcome of the questions we were asking based on the dataset was erroneous. </a:t>
+              <a:t>When we limit the interpretation to a subset of 100 lines in excel, the outcome of the questions we were asking based on the dataset was erroneous. </a:t>
             </a:r>
           </a:p>
           <a:p>
             <a:pPr lvl="2"/>
             <a:r>
               <a:rPr lang="en-US" dirty="0" smtClean="0"/>
-              <a:t>Ex: country with lowest rating is showing France and U.S.A. Big Data Analysis will show us this is wrong. </a:t>
+              <a:t>Ex: country with lowest rating is showing France and U.S.A. with a rating of 2.5. </a:t>
+            </a:r>
+          </a:p>
+          <a:p>
+            <a:pPr lvl="2"/>
+            <a:r>
+              <a:rPr lang="en-US" dirty="0" smtClean="0"/>
+              <a:t> Big Data Analysis will show us this is wrong in later slides. </a:t>
             </a:r>
           </a:p>
           <a:p>
@@ -5392,7 +5447,7 @@
         </p:blipFill>
         <p:spPr>
           <a:xfrm>
-            <a:off x="1651000" y="4354455"/>
+            <a:off x="1651000" y="4441541"/>
             <a:ext cx="10058400" cy="1938337"/>
           </a:xfrm>
           <a:prstGeom prst="rect">
@@ -5485,7 +5540,23 @@
             </a:r>
             <a:r>
               <a:rPr lang="en-US" dirty="0"/>
-              <a:t>bars rated from 63 countries. The most number of ratings that were given was between 3.0 to 3.5, with the highest being 3.5 with a number of around 380 ratings. This shows us that most individuals are giving chocolate bars a rating of a little bit more than satisfactory</a:t>
+              <a:t>bars rated from 63 countries. The most number of </a:t>
+            </a:r>
+            <a:r>
+              <a:rPr lang="en-US" dirty="0" smtClean="0"/>
+              <a:t>ratings that </a:t>
+            </a:r>
+            <a:r>
+              <a:rPr lang="en-US" dirty="0"/>
+              <a:t>were given was between 3.0 to 3.5, with the highest being </a:t>
+            </a:r>
+            <a:r>
+              <a:rPr lang="en-US" dirty="0" smtClean="0"/>
+              <a:t>3.5 </a:t>
+            </a:r>
+            <a:r>
+              <a:rPr lang="en-US" dirty="0"/>
+              <a:t>with a number of around 380 ratings. This shows us that most individuals are giving chocolate bars a rating of a little bit more than satisfactory</a:t>
             </a:r>
             <a:r>
               <a:rPr lang="en-US" dirty="0" smtClean="0"/>
@@ -5557,6 +5628,13 @@
   <p:clrMapOvr>
     <a:masterClrMapping/>
   </p:clrMapOvr>
+  <p:timing>
+    <p:tnLst>
+      <p:par>
+        <p:cTn id="1" dur="indefinite" restart="never" nodeType="tmRoot"/>
+      </p:par>
+    </p:tnLst>
+  </p:timing>
 </p:sld>
 </file>
 
@@ -5676,6 +5754,13 @@
   <p:clrMapOvr>
     <a:masterClrMapping/>
   </p:clrMapOvr>
+  <p:timing>
+    <p:tnLst>
+      <p:par>
+        <p:cTn id="1" dur="indefinite" restart="never" nodeType="tmRoot"/>
+      </p:par>
+    </p:tnLst>
+  </p:timing>
 </p:sld>
 </file>
 
@@ -5814,6 +5899,13 @@
   <p:clrMapOvr>
     <a:masterClrMapping/>
   </p:clrMapOvr>
+  <p:timing>
+    <p:tnLst>
+      <p:par>
+        <p:cTn id="1" dur="indefinite" restart="never" nodeType="tmRoot"/>
+      </p:par>
+    </p:tnLst>
+  </p:timing>
 </p:sld>
 </file>
 
@@ -5951,6 +6043,13 @@
   <p:clrMapOvr>
     <a:masterClrMapping/>
   </p:clrMapOvr>
+  <p:timing>
+    <p:tnLst>
+      <p:par>
+        <p:cTn id="1" dur="indefinite" restart="never" nodeType="tmRoot"/>
+      </p:par>
+    </p:tnLst>
+  </p:timing>
 </p:sld>
 </file>
 
